--- a/新建 Microsoft PowerPoint 演示文稿.pptx
+++ b/新建 Microsoft PowerPoint 演示文稿.pptx
@@ -244,7 +244,7 @@
           <a:p>
             <a:fld id="{AB82ED97-0F95-457A-BC45-9685D18EFEE8}" type="datetimeFigureOut">
               <a:rPr lang="zh-CN" altLang="en-US" smtClean="0"/>
-              <a:t>2017/1/3</a:t>
+              <a:t>2017/1/4</a:t>
             </a:fld>
             <a:endParaRPr lang="zh-CN" altLang="en-US"/>
           </a:p>
@@ -414,7 +414,7 @@
           <a:p>
             <a:fld id="{AB82ED97-0F95-457A-BC45-9685D18EFEE8}" type="datetimeFigureOut">
               <a:rPr lang="zh-CN" altLang="en-US" smtClean="0"/>
-              <a:t>2017/1/3</a:t>
+              <a:t>2017/1/4</a:t>
             </a:fld>
             <a:endParaRPr lang="zh-CN" altLang="en-US"/>
           </a:p>
@@ -594,7 +594,7 @@
           <a:p>
             <a:fld id="{AB82ED97-0F95-457A-BC45-9685D18EFEE8}" type="datetimeFigureOut">
               <a:rPr lang="zh-CN" altLang="en-US" smtClean="0"/>
-              <a:t>2017/1/3</a:t>
+              <a:t>2017/1/4</a:t>
             </a:fld>
             <a:endParaRPr lang="zh-CN" altLang="en-US"/>
           </a:p>
@@ -764,7 +764,7 @@
           <a:p>
             <a:fld id="{AB82ED97-0F95-457A-BC45-9685D18EFEE8}" type="datetimeFigureOut">
               <a:rPr lang="zh-CN" altLang="en-US" smtClean="0"/>
-              <a:t>2017/1/3</a:t>
+              <a:t>2017/1/4</a:t>
             </a:fld>
             <a:endParaRPr lang="zh-CN" altLang="en-US"/>
           </a:p>
@@ -1010,7 +1010,7 @@
           <a:p>
             <a:fld id="{AB82ED97-0F95-457A-BC45-9685D18EFEE8}" type="datetimeFigureOut">
               <a:rPr lang="zh-CN" altLang="en-US" smtClean="0"/>
-              <a:t>2017/1/3</a:t>
+              <a:t>2017/1/4</a:t>
             </a:fld>
             <a:endParaRPr lang="zh-CN" altLang="en-US"/>
           </a:p>
@@ -1242,7 +1242,7 @@
           <a:p>
             <a:fld id="{AB82ED97-0F95-457A-BC45-9685D18EFEE8}" type="datetimeFigureOut">
               <a:rPr lang="zh-CN" altLang="en-US" smtClean="0"/>
-              <a:t>2017/1/3</a:t>
+              <a:t>2017/1/4</a:t>
             </a:fld>
             <a:endParaRPr lang="zh-CN" altLang="en-US"/>
           </a:p>
@@ -1609,7 +1609,7 @@
           <a:p>
             <a:fld id="{AB82ED97-0F95-457A-BC45-9685D18EFEE8}" type="datetimeFigureOut">
               <a:rPr lang="zh-CN" altLang="en-US" smtClean="0"/>
-              <a:t>2017/1/3</a:t>
+              <a:t>2017/1/4</a:t>
             </a:fld>
             <a:endParaRPr lang="zh-CN" altLang="en-US"/>
           </a:p>
@@ -1727,7 +1727,7 @@
           <a:p>
             <a:fld id="{AB82ED97-0F95-457A-BC45-9685D18EFEE8}" type="datetimeFigureOut">
               <a:rPr lang="zh-CN" altLang="en-US" smtClean="0"/>
-              <a:t>2017/1/3</a:t>
+              <a:t>2017/1/4</a:t>
             </a:fld>
             <a:endParaRPr lang="zh-CN" altLang="en-US"/>
           </a:p>
@@ -1822,7 +1822,7 @@
           <a:p>
             <a:fld id="{AB82ED97-0F95-457A-BC45-9685D18EFEE8}" type="datetimeFigureOut">
               <a:rPr lang="zh-CN" altLang="en-US" smtClean="0"/>
-              <a:t>2017/1/3</a:t>
+              <a:t>2017/1/4</a:t>
             </a:fld>
             <a:endParaRPr lang="zh-CN" altLang="en-US"/>
           </a:p>
@@ -2099,7 +2099,7 @@
           <a:p>
             <a:fld id="{AB82ED97-0F95-457A-BC45-9685D18EFEE8}" type="datetimeFigureOut">
               <a:rPr lang="zh-CN" altLang="en-US" smtClean="0"/>
-              <a:t>2017/1/3</a:t>
+              <a:t>2017/1/4</a:t>
             </a:fld>
             <a:endParaRPr lang="zh-CN" altLang="en-US"/>
           </a:p>
@@ -2352,7 +2352,7 @@
           <a:p>
             <a:fld id="{AB82ED97-0F95-457A-BC45-9685D18EFEE8}" type="datetimeFigureOut">
               <a:rPr lang="zh-CN" altLang="en-US" smtClean="0"/>
-              <a:t>2017/1/3</a:t>
+              <a:t>2017/1/4</a:t>
             </a:fld>
             <a:endParaRPr lang="zh-CN" altLang="en-US"/>
           </a:p>
@@ -2565,7 +2565,7 @@
           <a:p>
             <a:fld id="{AB82ED97-0F95-457A-BC45-9685D18EFEE8}" type="datetimeFigureOut">
               <a:rPr lang="zh-CN" altLang="en-US" smtClean="0"/>
-              <a:t>2017/1/3</a:t>
+              <a:t>2017/1/4</a:t>
             </a:fld>
             <a:endParaRPr lang="zh-CN" altLang="en-US"/>
           </a:p>
